--- a/Notebooks/Nederlands/02 - Controleren van Azure diensten met CLI/05 - Exercise - Oefening - Een Azure-website maken met de CLI - Learn  Microsoft Docs.pptx
+++ b/Notebooks/Nederlands/02 - Controleren van Azure diensten met CLI/05 - Exercise - Oefening - Een Azure-website maken met de CLI - Learn  Microsoft Docs.pptx
@@ -3212,10 +3212,10 @@
               <a:rPr>
                 <a:latin typeface="Courier"/>
               </a:rPr>
-              <a:t> export RESOURCE_GROUP=[sandbox resource group name]
- export AZURE_REGION=centralus
- export AZURE_APP_PLAN=popupappplan-$RANDOM
- export AZURE_WEB_APP=popupwebapp-$RANDOM</a:t>
+              <a:t>  export RESOURCE_GROUP=[sandbox resource group name]
+  export AZURE_REGION=centralus
+  export AZURE_APP_PLAN=popupappplan-$RANDOM
+  export AZURE_WEB_APP=popupwebapp-$RANDOM</a:t>
             </a:r>
           </a:p>
           <a:p>
@@ -3235,7 +3235,7 @@
               <a:rPr>
                 <a:latin typeface="Courier"/>
               </a:rPr>
-              <a:t> az group list --output table</a:t>
+              <a:t>  az group list --output table</a:t>
             </a:r>
           </a:p>
           <a:p>
@@ -3295,7 +3295,7 @@
               <a:rPr>
                 <a:latin typeface="Courier"/>
               </a:rPr>
-              <a:t> az group list --query "[?name == '$RESOURCE_GROUP']"</a:t>
+              <a:t>  az group list --query "[?name == '$RESOURCE_GROUP']"</a:t>
             </a:r>
           </a:p>
           <a:p>
@@ -3412,7 +3412,7 @@
               <a:rPr>
                 <a:latin typeface="Courier"/>
               </a:rPr>
-              <a:t> az appservice plan create --name $AZURE_APP_PLAN --resource-group $RESOURCE_GROUP --location $AZURE_REGION --sku FREE</a:t>
+              <a:t>  az appservice plan create --name $AZURE_APP_PLAN --resource-group $RESOURCE_GROUP --location $AZURE_REGION --sku FREE</a:t>
             </a:r>
           </a:p>
           <a:p>
@@ -3441,7 +3441,7 @@
               <a:rPr>
                 <a:latin typeface="Courier"/>
               </a:rPr>
-              <a:t> az appservice plan list --output table</a:t>
+              <a:t>  az appservice plan list --output table</a:t>
             </a:r>
           </a:p>
           <a:p>
@@ -3461,9 +3461,9 @@
               <a:rPr>
                 <a:latin typeface="Courier"/>
               </a:rPr>
-              <a:t> Kind    Location    MaximumNumberOfWorkers    Name                NumberOfSites    ResourceGroup                               Status
- ------  ----------  ------------------------  ------------------  ---------------  ------------------------------------------  --------
- app     Central US  3                         popupappplan-54321  0                Learn-12345678-1234-1234-1234-123456789abc  Ready</a:t>
+              <a:t>  Kind    Location    MaximumNumberOfWorkers    Name                NumberOfSites    ResourceGroup                               Status
+  ------  ----------  ------------------------  ------------------  ---------------  ------------------------------------------  --------
+  app     Central US  3                         popupappplan-54321  0                Learn-12345678-1234-1234-1234-123456789abc  Ready</a:t>
             </a:r>
           </a:p>
           <a:p>
@@ -3504,7 +3504,7 @@
               <a:rPr>
                 <a:latin typeface="Courier"/>
               </a:rPr>
-              <a:t> az webapp create --name $AZURE_WEB_APP --resource-group $RESOURCE_GROUP --plan $AZURE_APP_PLAN</a:t>
+              <a:t>  az webapp create --name $AZURE_WEB_APP --resource-group $RESOURCE_GROUP --plan $AZURE_APP_PLAN</a:t>
             </a:r>
           </a:p>
           <a:p>
@@ -3524,7 +3524,7 @@
               <a:rPr>
                 <a:latin typeface="Courier"/>
               </a:rPr>
-              <a:t> az webapp list --output table</a:t>
+              <a:t>  az webapp list --output table</a:t>
             </a:r>
           </a:p>
           <a:p>
@@ -3544,9 +3544,9 @@
               <a:rPr>
                 <a:latin typeface="Courier"/>
               </a:rPr>
-              <a:t> Name               Location    State    ResourceGroup                               DefaultHostName                      AppServicePlan
- -----------------  ----------  -------  ------------------------------------------  -----------------------------------  ------------------
- popupwebapp-12345  Central US  Running  Learn-12345678-1234-1234-1234-123456789abc  popupwebapp-12345.azurewebsites.net  popupappplan-54321</a:t>
+              <a:t>  Name               Location    State    ResourceGroup                               DefaultHostName                      AppServicePlan
+  -----------------  ----------  -------  ------------------------------------------  -----------------------------------  ------------------
+  popupwebapp-12345  Central US  Running  Learn-12345678-1234-1234-1234-123456789abc  popupwebapp-12345.azurewebsites.net  popupappplan-54321</a:t>
             </a:r>
           </a:p>
           <a:p>
@@ -3597,7 +3597,7 @@
               <a:rPr>
                 <a:latin typeface="Courier"/>
               </a:rPr>
-              <a:t> curl $AZURE_WEB_APP.azurewebsites.net</a:t>
+              <a:t>  curl $AZURE_WEB_APP.azurewebsites.net</a:t>
             </a:r>
           </a:p>
           <a:p>
@@ -3638,7 +3638,7 @@
               <a:rPr>
                 <a:latin typeface="Courier"/>
               </a:rPr>
-              <a:t> az webapp deployment source config --name $AZURE_WEB_APP --resource-group $RESOURCE_GROUP --repo-url "https://github.com/Azure-Samples/php-docs-hello-world" --branch master --manual-integration</a:t>
+              <a:t>  az webapp deployment source config --name $AZURE_WEB_APP --resource-group $RESOURCE_GROUP --repo-url "https://github.com/Azure-Samples/php-docs-hello-world" --branch master --manual-integration</a:t>
             </a:r>
           </a:p>
           <a:p>
@@ -3658,7 +3658,7 @@
               <a:rPr>
                 <a:latin typeface="Courier"/>
               </a:rPr>
-              <a:t> curl $AZURE_WEB_APP.azurewebsites.net</a:t>
+              <a:t>  curl $AZURE_WEB_APP.azurewebsites.net</a:t>
             </a:r>
           </a:p>
           <a:p>
@@ -3678,7 +3678,7 @@
               <a:rPr>
                 <a:latin typeface="Courier"/>
               </a:rPr>
-              <a:t> Hello World!</a:t>
+              <a:t>  Hello World!</a:t>
             </a:r>
           </a:p>
           <a:p>
